--- a/reporting/IS1 GitHub Modeling Summary Layouts.pptx
+++ b/reporting/IS1 GitHub Modeling Summary Layouts.pptx
@@ -11,7 +11,7 @@
     <p:sldId id="294" r:id="rId2"/>
     <p:sldId id="256" r:id="rId3"/>
     <p:sldId id="257" r:id="rId4"/>
-    <p:sldId id="260" r:id="rId5"/>
+    <p:sldId id="307" r:id="rId5"/>
     <p:sldId id="258" r:id="rId6"/>
     <p:sldId id="288" r:id="rId7"/>
     <p:sldId id="259" r:id="rId8"/>
@@ -23,7 +23,7 @@
     <p:sldId id="300" r:id="rId14"/>
     <p:sldId id="301" r:id="rId15"/>
     <p:sldId id="303" r:id="rId16"/>
-    <p:sldId id="302" r:id="rId17"/>
+    <p:sldId id="309" r:id="rId17"/>
     <p:sldId id="297" r:id="rId18"/>
     <p:sldId id="304" r:id="rId19"/>
     <p:sldId id="289" r:id="rId20"/>
@@ -216,7 +216,7 @@
           <a:p>
             <a:fld id="{30EC18F4-5B17-40DF-9DE1-871691755494}" type="datetimeFigureOut">
               <a:rPr lang="en-US" smtClean="0"/>
-              <a:t>2/15/2024</a:t>
+              <a:t>2/20/2024</a:t>
             </a:fld>
             <a:endParaRPr lang="en-US"/>
           </a:p>
@@ -647,7 +647,7 @@
     </p:spTree>
     <p:extLst>
       <p:ext uri="{BB962C8B-B14F-4D97-AF65-F5344CB8AC3E}">
-        <p14:creationId xmlns:p14="http://schemas.microsoft.com/office/powerpoint/2010/main" val="1757135428"/>
+        <p14:creationId xmlns:p14="http://schemas.microsoft.com/office/powerpoint/2010/main" val="1150606445"/>
       </p:ext>
     </p:extLst>
   </p:cSld>
@@ -1095,7 +1095,7 @@
           <a:bodyPr/>
           <a:lstStyle/>
           <a:p>
-            <a:fld id="{05F62A9F-5E44-4019-B909-111C951B703D}" type="slidenum">
+            <a:fld id="{A4E33983-AC15-4E71-AFAD-882C565C9682}" type="slidenum">
               <a:rPr lang="en-US" smtClean="0"/>
               <a:t>4</a:t>
             </a:fld>
@@ -1106,7 +1106,7 @@
     </p:spTree>
     <p:extLst>
       <p:ext uri="{BB962C8B-B14F-4D97-AF65-F5344CB8AC3E}">
-        <p14:creationId xmlns:p14="http://schemas.microsoft.com/office/powerpoint/2010/main" val="2554225600"/>
+        <p14:creationId xmlns:p14="http://schemas.microsoft.com/office/powerpoint/2010/main" val="1110536947"/>
       </p:ext>
     </p:extLst>
   </p:cSld>
@@ -1829,7 +1829,7 @@
           <a:p>
             <a:fld id="{803A6DAB-104D-4A34-92C1-982EC081E5FE}" type="datetimeFigureOut">
               <a:rPr lang="en-US" smtClean="0"/>
-              <a:t>2/15/2024</a:t>
+              <a:t>2/20/2024</a:t>
             </a:fld>
             <a:endParaRPr lang="en-US"/>
           </a:p>
@@ -2027,7 +2027,7 @@
           <a:p>
             <a:fld id="{803A6DAB-104D-4A34-92C1-982EC081E5FE}" type="datetimeFigureOut">
               <a:rPr lang="en-US" smtClean="0"/>
-              <a:t>2/15/2024</a:t>
+              <a:t>2/20/2024</a:t>
             </a:fld>
             <a:endParaRPr lang="en-US"/>
           </a:p>
@@ -2235,7 +2235,7 @@
           <a:p>
             <a:fld id="{803A6DAB-104D-4A34-92C1-982EC081E5FE}" type="datetimeFigureOut">
               <a:rPr lang="en-US" smtClean="0"/>
-              <a:t>2/15/2024</a:t>
+              <a:t>2/20/2024</a:t>
             </a:fld>
             <a:endParaRPr lang="en-US"/>
           </a:p>
@@ -2433,7 +2433,7 @@
           <a:p>
             <a:fld id="{803A6DAB-104D-4A34-92C1-982EC081E5FE}" type="datetimeFigureOut">
               <a:rPr lang="en-US" smtClean="0"/>
-              <a:t>2/15/2024</a:t>
+              <a:t>2/20/2024</a:t>
             </a:fld>
             <a:endParaRPr lang="en-US"/>
           </a:p>
@@ -2708,7 +2708,7 @@
           <a:p>
             <a:fld id="{803A6DAB-104D-4A34-92C1-982EC081E5FE}" type="datetimeFigureOut">
               <a:rPr lang="en-US" smtClean="0"/>
-              <a:t>2/15/2024</a:t>
+              <a:t>2/20/2024</a:t>
             </a:fld>
             <a:endParaRPr lang="en-US"/>
           </a:p>
@@ -2973,7 +2973,7 @@
           <a:p>
             <a:fld id="{803A6DAB-104D-4A34-92C1-982EC081E5FE}" type="datetimeFigureOut">
               <a:rPr lang="en-US" smtClean="0"/>
-              <a:t>2/15/2024</a:t>
+              <a:t>2/20/2024</a:t>
             </a:fld>
             <a:endParaRPr lang="en-US"/>
           </a:p>
@@ -3385,7 +3385,7 @@
           <a:p>
             <a:fld id="{803A6DAB-104D-4A34-92C1-982EC081E5FE}" type="datetimeFigureOut">
               <a:rPr lang="en-US" smtClean="0"/>
-              <a:t>2/15/2024</a:t>
+              <a:t>2/20/2024</a:t>
             </a:fld>
             <a:endParaRPr lang="en-US"/>
           </a:p>
@@ -3526,7 +3526,7 @@
           <a:p>
             <a:fld id="{803A6DAB-104D-4A34-92C1-982EC081E5FE}" type="datetimeFigureOut">
               <a:rPr lang="en-US" smtClean="0"/>
-              <a:t>2/15/2024</a:t>
+              <a:t>2/20/2024</a:t>
             </a:fld>
             <a:endParaRPr lang="en-US"/>
           </a:p>
@@ -3639,7 +3639,7 @@
           <a:p>
             <a:fld id="{803A6DAB-104D-4A34-92C1-982EC081E5FE}" type="datetimeFigureOut">
               <a:rPr lang="en-US" smtClean="0"/>
-              <a:t>2/15/2024</a:t>
+              <a:t>2/20/2024</a:t>
             </a:fld>
             <a:endParaRPr lang="en-US"/>
           </a:p>
@@ -3950,7 +3950,7 @@
           <a:p>
             <a:fld id="{803A6DAB-104D-4A34-92C1-982EC081E5FE}" type="datetimeFigureOut">
               <a:rPr lang="en-US" smtClean="0"/>
-              <a:t>2/15/2024</a:t>
+              <a:t>2/20/2024</a:t>
             </a:fld>
             <a:endParaRPr lang="en-US"/>
           </a:p>
@@ -4238,7 +4238,7 @@
           <a:p>
             <a:fld id="{803A6DAB-104D-4A34-92C1-982EC081E5FE}" type="datetimeFigureOut">
               <a:rPr lang="en-US" smtClean="0"/>
-              <a:t>2/15/2024</a:t>
+              <a:t>2/20/2024</a:t>
             </a:fld>
             <a:endParaRPr lang="en-US"/>
           </a:p>
@@ -4479,7 +4479,7 @@
           <a:p>
             <a:fld id="{803A6DAB-104D-4A34-92C1-982EC081E5FE}" type="datetimeFigureOut">
               <a:rPr lang="en-US" smtClean="0"/>
-              <a:t>2/15/2024</a:t>
+              <a:t>2/20/2024</a:t>
             </a:fld>
             <a:endParaRPr lang="en-US"/>
           </a:p>
@@ -6527,7 +6527,7 @@
         </p:nvSpPr>
         <p:spPr>
           <a:xfrm>
-            <a:off x="1186778" y="5593400"/>
+            <a:off x="1186778" y="5113575"/>
             <a:ext cx="1318453" cy="292388"/>
           </a:xfrm>
           <a:prstGeom prst="rect">
@@ -6563,7 +6563,7 @@
         </p:nvSpPr>
         <p:spPr>
           <a:xfrm>
-            <a:off x="4422602" y="6279232"/>
+            <a:off x="4271160" y="6347519"/>
             <a:ext cx="4805963" cy="369332"/>
           </a:xfrm>
           <a:prstGeom prst="rect">
@@ -6598,7 +6598,7 @@
         </p:nvSpPr>
         <p:spPr>
           <a:xfrm>
-            <a:off x="2952707" y="5593399"/>
+            <a:off x="2952707" y="5113574"/>
             <a:ext cx="1318453" cy="692497"/>
           </a:xfrm>
           <a:prstGeom prst="rect">
@@ -6638,7 +6638,7 @@
         </p:nvSpPr>
         <p:spPr>
           <a:xfrm>
-            <a:off x="4571313" y="5593399"/>
+            <a:off x="4571313" y="5113574"/>
             <a:ext cx="1467240" cy="692497"/>
           </a:xfrm>
           <a:prstGeom prst="rect">
@@ -6674,7 +6674,7 @@
         </p:nvSpPr>
         <p:spPr>
           <a:xfrm>
-            <a:off x="9686769" y="5593399"/>
+            <a:off x="9686769" y="5113574"/>
             <a:ext cx="1318453" cy="692497"/>
           </a:xfrm>
           <a:prstGeom prst="rect">
@@ -6717,7 +6717,7 @@
         </p:nvSpPr>
         <p:spPr>
           <a:xfrm>
-            <a:off x="6317466" y="5593399"/>
+            <a:off x="6317466" y="5113574"/>
             <a:ext cx="1318453" cy="692497"/>
           </a:xfrm>
           <a:prstGeom prst="rect">
@@ -6753,7 +6753,7 @@
         </p:nvSpPr>
         <p:spPr>
           <a:xfrm rot="16200000">
-            <a:off x="-1190482" y="2938703"/>
+            <a:off x="-1190482" y="2458878"/>
             <a:ext cx="3225948" cy="369332"/>
           </a:xfrm>
           <a:prstGeom prst="rect">
@@ -6788,7 +6788,7 @@
         </p:nvSpPr>
         <p:spPr>
           <a:xfrm>
-            <a:off x="7945357" y="5593399"/>
+            <a:off x="7945357" y="5113574"/>
             <a:ext cx="1467240" cy="492443"/>
           </a:xfrm>
           <a:prstGeom prst="rect">
@@ -6837,7 +6837,7 @@
         </p:blipFill>
         <p:spPr bwMode="auto">
           <a:xfrm>
-            <a:off x="1063120" y="572103"/>
+            <a:off x="1063120" y="92278"/>
             <a:ext cx="10162731" cy="5056209"/>
           </a:xfrm>
           <a:prstGeom prst="rect">
@@ -6869,7 +6869,7 @@
         </p:nvSpPr>
         <p:spPr>
           <a:xfrm>
-            <a:off x="657398" y="2369352"/>
+            <a:off x="657398" y="1889527"/>
             <a:ext cx="458780" cy="276999"/>
           </a:xfrm>
           <a:prstGeom prst="rect">
@@ -6904,7 +6904,7 @@
         </p:nvSpPr>
         <p:spPr>
           <a:xfrm>
-            <a:off x="721406" y="2985931"/>
+            <a:off x="721406" y="2506106"/>
             <a:ext cx="380232" cy="276999"/>
           </a:xfrm>
           <a:prstGeom prst="rect">
@@ -6939,7 +6939,7 @@
         </p:nvSpPr>
         <p:spPr>
           <a:xfrm>
-            <a:off x="659062" y="3593366"/>
+            <a:off x="659062" y="3113541"/>
             <a:ext cx="458780" cy="276999"/>
           </a:xfrm>
           <a:prstGeom prst="rect">
@@ -6974,7 +6974,7 @@
         </p:nvSpPr>
         <p:spPr>
           <a:xfrm>
-            <a:off x="657398" y="4212927"/>
+            <a:off x="657398" y="3733102"/>
             <a:ext cx="458780" cy="276999"/>
           </a:xfrm>
           <a:prstGeom prst="rect">
@@ -7009,7 +7009,7 @@
         </p:nvSpPr>
         <p:spPr>
           <a:xfrm>
-            <a:off x="657398" y="4826839"/>
+            <a:off x="657398" y="4347014"/>
             <a:ext cx="458780" cy="276999"/>
           </a:xfrm>
           <a:prstGeom prst="rect">
@@ -7044,7 +7044,7 @@
         </p:nvSpPr>
         <p:spPr>
           <a:xfrm>
-            <a:off x="721406" y="5423704"/>
+            <a:off x="721406" y="4943879"/>
             <a:ext cx="380232" cy="276999"/>
           </a:xfrm>
           <a:prstGeom prst="rect">
@@ -7079,7 +7079,7 @@
         </p:nvSpPr>
         <p:spPr>
           <a:xfrm>
-            <a:off x="657398" y="1770084"/>
+            <a:off x="657398" y="1290259"/>
             <a:ext cx="458780" cy="276999"/>
           </a:xfrm>
           <a:prstGeom prst="rect">
@@ -7114,7 +7114,7 @@
         </p:nvSpPr>
         <p:spPr>
           <a:xfrm>
-            <a:off x="657398" y="1156875"/>
+            <a:off x="657398" y="677050"/>
             <a:ext cx="458780" cy="276999"/>
           </a:xfrm>
           <a:prstGeom prst="rect">
@@ -7149,7 +7149,7 @@
         </p:nvSpPr>
         <p:spPr>
           <a:xfrm>
-            <a:off x="721406" y="534722"/>
+            <a:off x="721406" y="54897"/>
             <a:ext cx="380232" cy="276999"/>
           </a:xfrm>
           <a:prstGeom prst="rect">
@@ -7166,6 +7166,158 @@
             <a:r>
               <a:rPr lang="en-US" sz="1200" dirty="0"/>
               <a:t>5.0</a:t>
+            </a:r>
+          </a:p>
+        </p:txBody>
+      </p:sp>
+      <p:sp>
+        <p:nvSpPr>
+          <p:cNvPr id="10" name="TextBox 9">
+            <a:extLst>
+              <a:ext uri="{FF2B5EF4-FFF2-40B4-BE49-F238E27FC236}">
+                <a16:creationId xmlns:a16="http://schemas.microsoft.com/office/drawing/2014/main" id="{6C3BFB94-CECF-AF86-FCA6-41268CF0FA8F}"/>
+              </a:ext>
+            </a:extLst>
+          </p:cNvPr>
+          <p:cNvSpPr txBox="1"/>
+          <p:nvPr/>
+        </p:nvSpPr>
+        <p:spPr>
+          <a:xfrm>
+            <a:off x="4843015" y="5765652"/>
+            <a:ext cx="912429" cy="261610"/>
+          </a:xfrm>
+          <a:prstGeom prst="rect">
+            <a:avLst/>
+          </a:prstGeom>
+          <a:noFill/>
+        </p:spPr>
+        <p:txBody>
+          <a:bodyPr wrap="none" rtlCol="0">
+            <a:spAutoFit/>
+          </a:bodyPr>
+          <a:lstStyle/>
+          <a:p>
+            <a:r>
+              <a:rPr lang="en-US" sz="1100" i="1" dirty="0"/>
+              <a:t>(‘IS_RPB_l8’)</a:t>
+            </a:r>
+          </a:p>
+        </p:txBody>
+      </p:sp>
+      <p:sp>
+        <p:nvSpPr>
+          <p:cNvPr id="11" name="TextBox 10">
+            <a:extLst>
+              <a:ext uri="{FF2B5EF4-FFF2-40B4-BE49-F238E27FC236}">
+                <a16:creationId xmlns:a16="http://schemas.microsoft.com/office/drawing/2014/main" id="{28C26F81-EB9F-F556-0EB6-3D7D46B20643}"/>
+              </a:ext>
+            </a:extLst>
+          </p:cNvPr>
+          <p:cNvSpPr txBox="1"/>
+          <p:nvPr/>
+        </p:nvSpPr>
+        <p:spPr>
+          <a:xfrm>
+            <a:off x="6346801" y="5765652"/>
+            <a:ext cx="1285929" cy="261610"/>
+          </a:xfrm>
+          <a:prstGeom prst="rect">
+            <a:avLst/>
+          </a:prstGeom>
+          <a:noFill/>
+        </p:spPr>
+        <p:txBody>
+          <a:bodyPr wrap="none" rtlCol="0">
+            <a:spAutoFit/>
+          </a:bodyPr>
+          <a:lstStyle/>
+          <a:p>
+            <a:r>
+              <a:rPr lang="en-US" sz="1100" i="1" dirty="0"/>
+              <a:t>(‘IS_RPB_l8_stdev’)</a:t>
+            </a:r>
+          </a:p>
+        </p:txBody>
+      </p:sp>
+      <p:sp>
+        <p:nvSpPr>
+          <p:cNvPr id="13" name="TextBox 12">
+            <a:extLst>
+              <a:ext uri="{FF2B5EF4-FFF2-40B4-BE49-F238E27FC236}">
+                <a16:creationId xmlns:a16="http://schemas.microsoft.com/office/drawing/2014/main" id="{BAEE3B82-D009-E043-1AE1-F15624A73640}"/>
+              </a:ext>
+            </a:extLst>
+          </p:cNvPr>
+          <p:cNvSpPr txBox="1"/>
+          <p:nvPr/>
+        </p:nvSpPr>
+        <p:spPr>
+          <a:xfrm>
+            <a:off x="7904791" y="5765652"/>
+            <a:ext cx="1554362" cy="261610"/>
+          </a:xfrm>
+          <a:prstGeom prst="rect">
+            <a:avLst/>
+          </a:prstGeom>
+          <a:noFill/>
+        </p:spPr>
+        <p:txBody>
+          <a:bodyPr wrap="square">
+            <a:spAutoFit/>
+          </a:bodyPr>
+          <a:lstStyle/>
+          <a:p>
+            <a:r>
+              <a:rPr lang="en-US" sz="1100" i="1" dirty="0"/>
+              <a:t>(‘IS Past Perf vs Constr’)</a:t>
+            </a:r>
+          </a:p>
+        </p:txBody>
+      </p:sp>
+      <p:sp>
+        <p:nvSpPr>
+          <p:cNvPr id="14" name="TextBox 13">
+            <a:extLst>
+              <a:ext uri="{FF2B5EF4-FFF2-40B4-BE49-F238E27FC236}">
+                <a16:creationId xmlns:a16="http://schemas.microsoft.com/office/drawing/2014/main" id="{5F669A85-6EB1-69C5-B4E6-0D237E7D5190}"/>
+              </a:ext>
+            </a:extLst>
+          </p:cNvPr>
+          <p:cNvSpPr txBox="1"/>
+          <p:nvPr/>
+        </p:nvSpPr>
+        <p:spPr>
+          <a:xfrm>
+            <a:off x="9664003" y="5765652"/>
+            <a:ext cx="1436408" cy="600164"/>
+          </a:xfrm>
+          <a:prstGeom prst="rect">
+            <a:avLst/>
+          </a:prstGeom>
+          <a:noFill/>
+        </p:spPr>
+        <p:txBody>
+          <a:bodyPr wrap="square">
+            <a:spAutoFit/>
+          </a:bodyPr>
+          <a:lstStyle/>
+          <a:p>
+            <a:r>
+              <a:rPr lang="en-US" sz="1100" i="1" dirty="0"/>
+              <a:t>(‘Prior Solves # - DS’)</a:t>
+            </a:r>
+          </a:p>
+          <a:p>
+            <a:r>
+              <a:rPr lang="en-US" sz="1100" i="1" dirty="0"/>
+              <a:t>(‘Prior Solves # -NDS’)</a:t>
+            </a:r>
+          </a:p>
+          <a:p>
+            <a:r>
+              <a:rPr lang="en-US" sz="1100" i="1" dirty="0"/>
+              <a:t>         (IS Solves l7)</a:t>
             </a:r>
           </a:p>
         </p:txBody>
@@ -7336,7 +7488,7 @@
         </p:nvSpPr>
         <p:spPr>
           <a:xfrm>
-            <a:off x="3727514" y="6162746"/>
+            <a:off x="3735663" y="6463237"/>
             <a:ext cx="3330347" cy="369332"/>
           </a:xfrm>
           <a:prstGeom prst="rect">
@@ -7417,7 +7569,7 @@
         <p:spPr>
           <a:xfrm>
             <a:off x="6532807" y="5565177"/>
-            <a:ext cx="1318453" cy="492443"/>
+            <a:ext cx="1318453" cy="692497"/>
           </a:xfrm>
           <a:prstGeom prst="rect">
             <a:avLst/>
@@ -7434,6 +7586,13 @@
             <a:r>
               <a:rPr lang="en-US" sz="1300" dirty="0"/>
               <a:t>Puzzle Day of Week</a:t>
+            </a:r>
+          </a:p>
+          <a:p>
+            <a:pPr algn="ctr"/>
+            <a:r>
+              <a:rPr lang="en-US" sz="1300" dirty="0"/>
+              <a:t>(DOW)</a:t>
             </a:r>
           </a:p>
         </p:txBody>
@@ -7477,6 +7636,41 @@
             <a:r>
               <a:rPr lang="en-US" sz="1300" dirty="0"/>
               <a:t>(Grid)</a:t>
+            </a:r>
+          </a:p>
+        </p:txBody>
+      </p:sp>
+      <p:sp>
+        <p:nvSpPr>
+          <p:cNvPr id="3" name="TextBox 2">
+            <a:extLst>
+              <a:ext uri="{FF2B5EF4-FFF2-40B4-BE49-F238E27FC236}">
+                <a16:creationId xmlns:a16="http://schemas.microsoft.com/office/drawing/2014/main" id="{A7BC88E7-04F8-8D2F-82F2-B28C54434843}"/>
+              </a:ext>
+            </a:extLst>
+          </p:cNvPr>
+          <p:cNvSpPr txBox="1"/>
+          <p:nvPr/>
+        </p:nvSpPr>
+        <p:spPr>
+          <a:xfrm>
+            <a:off x="6719236" y="6203495"/>
+            <a:ext cx="973343" cy="261610"/>
+          </a:xfrm>
+          <a:prstGeom prst="rect">
+            <a:avLst/>
+          </a:prstGeom>
+          <a:noFill/>
+        </p:spPr>
+        <p:txBody>
+          <a:bodyPr wrap="none" rtlCol="0">
+            <a:spAutoFit/>
+          </a:bodyPr>
+          <a:lstStyle/>
+          <a:p>
+            <a:r>
+              <a:rPr lang="en-US" sz="1100" i="1" dirty="0"/>
+              <a:t>(‘DOW_num’)</a:t>
             </a:r>
           </a:p>
         </p:txBody>
@@ -7513,10 +7707,10 @@
       </p:grpSpPr>
       <p:pic>
         <p:nvPicPr>
-          <p:cNvPr id="3" name="Picture 2">
+          <p:cNvPr id="4" name="Picture 3">
             <a:extLst>
               <a:ext uri="{FF2B5EF4-FFF2-40B4-BE49-F238E27FC236}">
-                <a16:creationId xmlns:a16="http://schemas.microsoft.com/office/drawing/2014/main" id="{719C7C91-6B83-12DE-5B6E-4044453E1039}"/>
+                <a16:creationId xmlns:a16="http://schemas.microsoft.com/office/drawing/2014/main" id="{3A9380AF-DA05-1136-5154-970E10A18D81}"/>
               </a:ext>
             </a:extLst>
           </p:cNvPr>
@@ -7533,8 +7727,37 @@
         </p:blipFill>
         <p:spPr>
           <a:xfrm>
-            <a:off x="113945" y="1276786"/>
-            <a:ext cx="6524393" cy="3707647"/>
+            <a:off x="304098" y="1400489"/>
+            <a:ext cx="5968357" cy="3657600"/>
+          </a:xfrm>
+          <a:prstGeom prst="rect">
+            <a:avLst/>
+          </a:prstGeom>
+        </p:spPr>
+      </p:pic>
+      <p:pic>
+        <p:nvPicPr>
+          <p:cNvPr id="6" name="Picture 5">
+            <a:extLst>
+              <a:ext uri="{FF2B5EF4-FFF2-40B4-BE49-F238E27FC236}">
+                <a16:creationId xmlns:a16="http://schemas.microsoft.com/office/drawing/2014/main" id="{80A74F44-5AE3-F380-BB8A-A9446B079D5F}"/>
+              </a:ext>
+            </a:extLst>
+          </p:cNvPr>
+          <p:cNvPicPr>
+            <a:picLocks noChangeAspect="1"/>
+          </p:cNvPicPr>
+          <p:nvPr/>
+        </p:nvPicPr>
+        <p:blipFill rotWithShape="1">
+          <a:blip r:embed="rId4"/>
+          <a:srcRect t="92779"/>
+          <a:stretch/>
+        </p:blipFill>
+        <p:spPr>
+          <a:xfrm>
+            <a:off x="6418848" y="4810473"/>
+            <a:ext cx="5513907" cy="247616"/>
           </a:xfrm>
           <a:prstGeom prst="rect">
             <a:avLst/>
@@ -7543,24 +7766,22 @@
       </p:pic>
       <p:grpSp>
         <p:nvGrpSpPr>
-          <p:cNvPr id="7" name="Group 6">
+          <p:cNvPr id="8" name="Group 7">
             <a:extLst>
               <a:ext uri="{FF2B5EF4-FFF2-40B4-BE49-F238E27FC236}">
-                <a16:creationId xmlns:a16="http://schemas.microsoft.com/office/drawing/2014/main" id="{0AD62D8C-DE91-BE6B-420A-41FD13759C53}"/>
+                <a16:creationId xmlns:a16="http://schemas.microsoft.com/office/drawing/2014/main" id="{F979CBAA-FB04-2719-F4A6-39AA58FA423A}"/>
               </a:ext>
             </a:extLst>
           </p:cNvPr>
-          <p:cNvGrpSpPr>
-            <a:grpSpLocks noChangeAspect="1"/>
-          </p:cNvGrpSpPr>
+          <p:cNvGrpSpPr/>
           <p:nvPr/>
         </p:nvGrpSpPr>
         <p:grpSpPr>
           <a:xfrm>
-            <a:off x="6592617" y="1375500"/>
-            <a:ext cx="5182646" cy="3529886"/>
-            <a:chOff x="4964641" y="1059235"/>
-            <a:chExt cx="5572737" cy="3795576"/>
+            <a:off x="6327319" y="1418777"/>
+            <a:ext cx="4594070" cy="3429000"/>
+            <a:chOff x="6482767" y="1418777"/>
+            <a:chExt cx="4594070" cy="3429000"/>
           </a:xfrm>
         </p:grpSpPr>
         <p:pic>
@@ -7568,7 +7789,7 @@
             <p:cNvPr id="5" name="Picture 4">
               <a:extLst>
                 <a:ext uri="{FF2B5EF4-FFF2-40B4-BE49-F238E27FC236}">
-                  <a16:creationId xmlns:a16="http://schemas.microsoft.com/office/drawing/2014/main" id="{6248310C-1674-7CC5-A3AF-3DB02FA66C59}"/>
+                  <a16:creationId xmlns:a16="http://schemas.microsoft.com/office/drawing/2014/main" id="{25C64D23-E0F8-23BB-4359-D96B6DBE2BBF}"/>
                 </a:ext>
               </a:extLst>
             </p:cNvPr>
@@ -7579,13 +7800,13 @@
           </p:nvPicPr>
           <p:blipFill rotWithShape="1">
             <a:blip r:embed="rId4"/>
-            <a:srcRect r="18320"/>
+            <a:srcRect r="18238" b="5643"/>
             <a:stretch/>
           </p:blipFill>
           <p:spPr>
             <a:xfrm>
-              <a:off x="4964641" y="1059236"/>
-              <a:ext cx="5428738" cy="3795575"/>
+              <a:off x="6482767" y="1418777"/>
+              <a:ext cx="4508321" cy="3235519"/>
             </a:xfrm>
             <a:prstGeom prst="rect">
               <a:avLst/>
@@ -7594,10 +7815,10 @@
         </p:pic>
         <p:pic>
           <p:nvPicPr>
-            <p:cNvPr id="6" name="Picture 5">
+            <p:cNvPr id="7" name="Picture 6">
               <a:extLst>
                 <a:ext uri="{FF2B5EF4-FFF2-40B4-BE49-F238E27FC236}">
-                  <a16:creationId xmlns:a16="http://schemas.microsoft.com/office/drawing/2014/main" id="{6E3C28B3-26B5-228E-DC1E-0FD431814A43}"/>
+                  <a16:creationId xmlns:a16="http://schemas.microsoft.com/office/drawing/2014/main" id="{A0B28B03-792B-898D-E5E0-DA1DA50A893A}"/>
                 </a:ext>
               </a:extLst>
             </p:cNvPr>
@@ -7608,13 +7829,13 @@
           </p:nvPicPr>
           <p:blipFill rotWithShape="1">
             <a:blip r:embed="rId4"/>
-            <a:srcRect l="97833"/>
+            <a:srcRect l="98445"/>
             <a:stretch/>
           </p:blipFill>
           <p:spPr>
             <a:xfrm>
-              <a:off x="10393379" y="1059235"/>
-              <a:ext cx="143999" cy="3795575"/>
+              <a:off x="10991088" y="1418777"/>
+              <a:ext cx="85749" cy="3429000"/>
             </a:xfrm>
             <a:prstGeom prst="rect">
               <a:avLst/>
@@ -7625,7 +7846,7 @@
     </p:spTree>
     <p:extLst>
       <p:ext uri="{BB962C8B-B14F-4D97-AF65-F5344CB8AC3E}">
-        <p14:creationId xmlns:p14="http://schemas.microsoft.com/office/powerpoint/2010/main" val="3177858945"/>
+        <p14:creationId xmlns:p14="http://schemas.microsoft.com/office/powerpoint/2010/main" val="3006115054"/>
       </p:ext>
     </p:extLst>
   </p:cSld>
@@ -8451,14 +8672,14 @@
           <p:nvPr>
             <p:extLst>
               <p:ext uri="{D42A27DB-BD31-4B8C-83A1-F6EECF244321}">
-                <p14:modId xmlns:p14="http://schemas.microsoft.com/office/powerpoint/2010/main" val="460897088"/>
+                <p14:modId xmlns:p14="http://schemas.microsoft.com/office/powerpoint/2010/main" val="311036648"/>
               </p:ext>
             </p:extLst>
           </p:nvPr>
         </p:nvGraphicFramePr>
         <p:xfrm>
           <a:off x="204282" y="75854"/>
-          <a:ext cx="11819106" cy="11941718"/>
+          <a:ext cx="11819106" cy="12124598"/>
         </p:xfrm>
         <a:graphic>
           <a:graphicData uri="http://schemas.openxmlformats.org/drawingml/2006/table">
@@ -9039,7 +9260,17 @@
                             <a:srgbClr val="002060"/>
                           </a:solidFill>
                         </a:rPr>
-                        <a:t>mean of previous (to a given solve) 10 puzzles, for the relevant 15x15 puzzle day</a:t>
+                        <a:t>mean of previous (to a given solve) 8 puzzles, for the relevant 15x15 puzzle day. Used as baseline in deriving ‘IS Past Perf vs Constr’ and </a:t>
+                      </a:r>
+                      <a:r>
+                        <a:rPr lang="en-US" sz="1200" dirty="0">
+                          <a:solidFill>
+                            <a:schemeClr val="accent4">
+                              <a:lumMod val="75000"/>
+                            </a:schemeClr>
+                          </a:solidFill>
+                        </a:rPr>
+                        <a:t>‘IS_per_sdp_avg_past_diff_from_RPB’.</a:t>
                       </a:r>
                     </a:p>
                   </a:txBody>
@@ -9308,23 +9539,7 @@
                             <a:srgbClr val="002060"/>
                           </a:solidFill>
                         </a:rPr>
-                        <a:t>Standard deviation of </a:t>
-                      </a:r>
-                      <a:r>
-                        <a:rPr lang="en-US" sz="1200" dirty="0">
-                          <a:solidFill>
-                            <a:srgbClr val="FF0000"/>
-                          </a:solidFill>
-                        </a:rPr>
-                        <a:t>Strength of Schedule-adjusted </a:t>
-                      </a:r>
-                      <a:r>
-                        <a:rPr lang="en-US" sz="1200" dirty="0">
-                          <a:solidFill>
-                            <a:srgbClr val="002060"/>
-                          </a:solidFill>
-                        </a:rPr>
-                        <a:t>version of IS_RPB_l8 (recent solve variability)</a:t>
+                        <a:t>Standard deviation of puzzle day-specific performance over same span as ‘IS_RPB_l8’  (recent solve variability)</a:t>
                       </a:r>
                     </a:p>
                   </a:txBody>
@@ -9405,11 +9620,7 @@
                             <a:srgbClr val="002060"/>
                           </a:solidFill>
                         </a:rPr>
-                        <a:t>IS </a:t>
-                      </a:r>
-                      <a:r>
-                        <a:rPr lang="en-US" sz="1200" dirty="0"/>
-                        <a:t>Past Perf vs Constr</a:t>
+                        <a:t>IS Past Perf vs Constr</a:t>
                       </a:r>
                     </a:p>
                   </a:txBody>
@@ -9614,7 +9825,23 @@
                             <a:srgbClr val="002060"/>
                           </a:solidFill>
                         </a:rPr>
-                        <a:t>Past performance vs a specific constructor or specific constructor team; normalized to account for recent (past 8 puzzles) performance baseline per puzzle day (RPB) and past puzzle day mix for constructor(s)</a:t>
+                        <a:t>Past performance vs a specific constructor or constructor team; normalized to account for recent (past 8 puzzles) performance baseline per puzzle day (RPB) and past puzzle day mix for constructor(s). Used </a:t>
+                      </a:r>
+                      <a:r>
+                        <a:rPr lang="en-US" sz="1200" dirty="0">
+                          <a:solidFill>
+                            <a:srgbClr val="FF0000"/>
+                          </a:solidFill>
+                        </a:rPr>
+                        <a:t>SOS adjustment</a:t>
+                      </a:r>
+                      <a:r>
+                        <a:rPr lang="en-US" sz="1200" dirty="0">
+                          <a:solidFill>
+                            <a:srgbClr val="002060"/>
+                          </a:solidFill>
+                        </a:rPr>
+                        <a:t>.</a:t>
                       </a:r>
                     </a:p>
                   </a:txBody>
@@ -18755,7 +18982,45 @@
                             </a:schemeClr>
                           </a:solidFill>
                         </a:rPr>
-                        <a:t>For a given puzzle, percent difference in solve time from recent performance baseline (RPB) for that specific solve day phase</a:t>
+                        <a:t>Measured how recent puzzle day-specific performance in the pertinent ‘Solve Day Phase’ (see below)  compared to RPB </a:t>
+                      </a:r>
+                      <a:r>
+                        <a:rPr lang="en-US" sz="1200" i="1" dirty="0">
+                          <a:solidFill>
+                            <a:schemeClr val="accent4">
+                              <a:lumMod val="75000"/>
+                            </a:schemeClr>
+                          </a:solidFill>
+                        </a:rPr>
+                        <a:t>across all </a:t>
+                      </a:r>
+                      <a:r>
+                        <a:rPr lang="en-US" sz="1200" dirty="0">
+                          <a:solidFill>
+                            <a:schemeClr val="accent4">
+                              <a:lumMod val="75000"/>
+                            </a:schemeClr>
+                          </a:solidFill>
+                        </a:rPr>
+                        <a:t>solve phases. Used </a:t>
+                      </a:r>
+                      <a:r>
+                        <a:rPr lang="en-US" sz="1200" dirty="0">
+                          <a:solidFill>
+                            <a:srgbClr val="FF0000"/>
+                          </a:solidFill>
+                        </a:rPr>
+                        <a:t>SOS-adjustment</a:t>
+                      </a:r>
+                      <a:r>
+                        <a:rPr lang="en-US" sz="1200" dirty="0">
+                          <a:solidFill>
+                            <a:schemeClr val="accent4">
+                              <a:lumMod val="75000"/>
+                            </a:schemeClr>
+                          </a:solidFill>
+                        </a:rPr>
+                        <a:t> in deriving RPB.</a:t>
                       </a:r>
                     </a:p>
                   </a:txBody>
@@ -19103,47 +19368,31 @@
       </p:grpSpPr>
       <p:pic>
         <p:nvPicPr>
-          <p:cNvPr id="4098" name="Picture 2">
+          <p:cNvPr id="3" name="Picture 2">
             <a:extLst>
               <a:ext uri="{FF2B5EF4-FFF2-40B4-BE49-F238E27FC236}">
-                <a16:creationId xmlns:a16="http://schemas.microsoft.com/office/drawing/2014/main" id="{0515FE20-5079-E223-EF12-D2CE636E2F5D}"/>
+                <a16:creationId xmlns:a16="http://schemas.microsoft.com/office/drawing/2014/main" id="{52C24F9A-23FF-1095-E311-7860FD097B4F}"/>
               </a:ext>
             </a:extLst>
           </p:cNvPr>
           <p:cNvPicPr>
-            <a:picLocks noChangeAspect="1" noChangeArrowheads="1"/>
+            <a:picLocks noChangeAspect="1"/>
           </p:cNvPicPr>
           <p:nvPr/>
         </p:nvPicPr>
         <p:blipFill rotWithShape="1">
-          <a:blip r:embed="rId3">
-            <a:extLst>
-              <a:ext uri="{28A0092B-C50C-407E-A947-70E740481C1C}">
-                <a14:useLocalDpi xmlns:a14="http://schemas.microsoft.com/office/drawing/2010/main" val="0"/>
-              </a:ext>
-            </a:extLst>
-          </a:blip>
-          <a:srcRect t="8034" b="3030"/>
+          <a:blip r:embed="rId3"/>
+          <a:srcRect t="8181" b="3150"/>
           <a:stretch/>
         </p:blipFill>
-        <p:spPr bwMode="auto">
+        <p:spPr>
           <a:xfrm>
-            <a:off x="3529013" y="1634247"/>
-            <a:ext cx="5133975" cy="3803515"/>
+            <a:off x="3529015" y="1640550"/>
+            <a:ext cx="3850481" cy="2844097"/>
           </a:xfrm>
           <a:prstGeom prst="rect">
             <a:avLst/>
           </a:prstGeom>
-          <a:noFill/>
-          <a:extLst>
-            <a:ext uri="{909E8E84-426E-40DD-AFC4-6F175D3DCCD1}">
-              <a14:hiddenFill xmlns:a14="http://schemas.microsoft.com/office/drawing/2010/main">
-                <a:solidFill>
-                  <a:srgbClr val="FFFFFF"/>
-                </a:solidFill>
-              </a14:hiddenFill>
-            </a:ext>
-          </a:extLst>
         </p:spPr>
       </p:pic>
     </p:spTree>
@@ -19697,10 +19946,10 @@
       </p:grpSpPr>
       <p:pic>
         <p:nvPicPr>
-          <p:cNvPr id="4" name="Picture 2">
+          <p:cNvPr id="1026" name="Picture 2">
             <a:extLst>
               <a:ext uri="{FF2B5EF4-FFF2-40B4-BE49-F238E27FC236}">
-                <a16:creationId xmlns:a16="http://schemas.microsoft.com/office/drawing/2014/main" id="{0EA97160-8E34-4197-209D-C615A81F4C4F}"/>
+                <a16:creationId xmlns:a16="http://schemas.microsoft.com/office/drawing/2014/main" id="{26F3A890-AC74-BDA6-8E5A-73384B47D0B4}"/>
               </a:ext>
             </a:extLst>
           </p:cNvPr>
@@ -19724,8 +19973,8 @@
         </p:blipFill>
         <p:spPr bwMode="auto">
           <a:xfrm>
-            <a:off x="4191002" y="2100266"/>
-            <a:ext cx="3301587" cy="2302857"/>
+            <a:off x="4191000" y="2100263"/>
+            <a:ext cx="3810000" cy="2657475"/>
           </a:xfrm>
           <a:prstGeom prst="rect">
             <a:avLst/>
@@ -19774,10 +20023,10 @@
       </p:grpSpPr>
       <p:pic>
         <p:nvPicPr>
-          <p:cNvPr id="3076" name="Picture 4">
+          <p:cNvPr id="5122" name="Picture 2">
             <a:extLst>
               <a:ext uri="{FF2B5EF4-FFF2-40B4-BE49-F238E27FC236}">
-                <a16:creationId xmlns:a16="http://schemas.microsoft.com/office/drawing/2014/main" id="{FAE6C8FA-64E9-20A6-0EED-6C9A3777D9D5}"/>
+                <a16:creationId xmlns:a16="http://schemas.microsoft.com/office/drawing/2014/main" id="{39D41243-A97A-3FE0-7CF1-FB66D50ED62A}"/>
               </a:ext>
             </a:extLst>
           </p:cNvPr>
@@ -19801,7 +20050,7 @@
         </p:blipFill>
         <p:spPr bwMode="auto">
           <a:xfrm>
-            <a:off x="1898658" y="4320899"/>
+            <a:off x="1888467" y="4175510"/>
             <a:ext cx="2793651" cy="1948571"/>
           </a:xfrm>
           <a:prstGeom prst="rect">
@@ -19821,10 +20070,10 @@
       </p:pic>
       <p:pic>
         <p:nvPicPr>
-          <p:cNvPr id="3078" name="Picture 6">
+          <p:cNvPr id="5124" name="Picture 4">
             <a:extLst>
               <a:ext uri="{FF2B5EF4-FFF2-40B4-BE49-F238E27FC236}">
-                <a16:creationId xmlns:a16="http://schemas.microsoft.com/office/drawing/2014/main" id="{DDC13E16-5895-4AA5-62B1-548336FADFE8}"/>
+                <a16:creationId xmlns:a16="http://schemas.microsoft.com/office/drawing/2014/main" id="{0CBCB677-5117-025E-D7DE-30551E8C20D6}"/>
               </a:ext>
             </a:extLst>
           </p:cNvPr>
@@ -19841,13 +20090,13 @@
               </a:ext>
             </a:extLst>
           </a:blip>
-          <a:srcRect l="11391"/>
+          <a:srcRect l="11300"/>
           <a:stretch/>
         </p:blipFill>
         <p:spPr bwMode="auto">
           <a:xfrm>
-            <a:off x="4692309" y="4320899"/>
-            <a:ext cx="2475408" cy="1948571"/>
+            <a:off x="4693152" y="4175510"/>
+            <a:ext cx="2477969" cy="1948571"/>
           </a:xfrm>
           <a:prstGeom prst="rect">
             <a:avLst/>
@@ -19866,10 +20115,10 @@
       </p:pic>
       <p:pic>
         <p:nvPicPr>
-          <p:cNvPr id="17410" name="Picture 2">
+          <p:cNvPr id="1026" name="Picture 2">
             <a:extLst>
               <a:ext uri="{FF2B5EF4-FFF2-40B4-BE49-F238E27FC236}">
-                <a16:creationId xmlns:a16="http://schemas.microsoft.com/office/drawing/2014/main" id="{944F0526-FCA8-6B34-F583-5E64CDD7FEA0}"/>
+                <a16:creationId xmlns:a16="http://schemas.microsoft.com/office/drawing/2014/main" id="{A89F9DDD-156A-D6E0-131D-4ACD4FCB15CA}"/>
               </a:ext>
             </a:extLst>
           </p:cNvPr>
@@ -19893,8 +20142,8 @@
         </p:blipFill>
         <p:spPr bwMode="auto">
           <a:xfrm>
-            <a:off x="1684122" y="249345"/>
-            <a:ext cx="8724900" cy="4038600"/>
+            <a:off x="1632420" y="118978"/>
+            <a:ext cx="8963025" cy="4038600"/>
           </a:xfrm>
           <a:prstGeom prst="rect">
             <a:avLst/>
@@ -19913,10 +20162,10 @@
       </p:pic>
       <p:pic>
         <p:nvPicPr>
-          <p:cNvPr id="5126" name="Picture 6">
+          <p:cNvPr id="1028" name="Picture 4">
             <a:extLst>
               <a:ext uri="{FF2B5EF4-FFF2-40B4-BE49-F238E27FC236}">
-                <a16:creationId xmlns:a16="http://schemas.microsoft.com/office/drawing/2014/main" id="{6892F7EF-213C-832F-ACF1-18EC91620A77}"/>
+                <a16:creationId xmlns:a16="http://schemas.microsoft.com/office/drawing/2014/main" id="{3581F4C3-BDDE-5F75-64D2-AD9DAC8630E2}"/>
               </a:ext>
             </a:extLst>
           </p:cNvPr>
@@ -19933,13 +20182,13 @@
               </a:ext>
             </a:extLst>
           </a:blip>
-          <a:srcRect l="11391"/>
+          <a:srcRect l="11300"/>
           <a:stretch/>
         </p:blipFill>
         <p:spPr bwMode="auto">
           <a:xfrm>
-            <a:off x="7167717" y="4320898"/>
-            <a:ext cx="2475408" cy="1948571"/>
+            <a:off x="7182156" y="4175512"/>
+            <a:ext cx="2477969" cy="1948571"/>
           </a:xfrm>
           <a:prstGeom prst="rect">
             <a:avLst/>
@@ -19959,7 +20208,7 @@
     </p:spTree>
     <p:extLst>
       <p:ext uri="{BB962C8B-B14F-4D97-AF65-F5344CB8AC3E}">
-        <p14:creationId xmlns:p14="http://schemas.microsoft.com/office/powerpoint/2010/main" val="3680559843"/>
+        <p14:creationId xmlns:p14="http://schemas.microsoft.com/office/powerpoint/2010/main" val="3435087105"/>
       </p:ext>
     </p:extLst>
   </p:cSld>
@@ -19988,10 +20237,10 @@
       </p:grpSpPr>
       <p:pic>
         <p:nvPicPr>
-          <p:cNvPr id="6146" name="Picture 2">
+          <p:cNvPr id="2" name="Picture 2">
             <a:extLst>
               <a:ext uri="{FF2B5EF4-FFF2-40B4-BE49-F238E27FC236}">
-                <a16:creationId xmlns:a16="http://schemas.microsoft.com/office/drawing/2014/main" id="{2F207E6A-E1DE-DA08-0677-6F21F49B3994}"/>
+                <a16:creationId xmlns:a16="http://schemas.microsoft.com/office/drawing/2014/main" id="{FF981BD6-D9BB-40E0-0AD9-5E7A5F419329}"/>
               </a:ext>
             </a:extLst>
           </p:cNvPr>
@@ -20015,8 +20264,8 @@
         </p:blipFill>
         <p:spPr bwMode="auto">
           <a:xfrm>
-            <a:off x="0" y="1592263"/>
-            <a:ext cx="12192000" cy="3673475"/>
+            <a:off x="157333" y="498569"/>
+            <a:ext cx="11877333" cy="3579175"/>
           </a:xfrm>
           <a:prstGeom prst="rect">
             <a:avLst/>
@@ -20065,10 +20314,10 @@
       </p:grpSpPr>
       <p:pic>
         <p:nvPicPr>
-          <p:cNvPr id="23" name="Picture 22">
+          <p:cNvPr id="17" name="Picture 16">
             <a:extLst>
               <a:ext uri="{FF2B5EF4-FFF2-40B4-BE49-F238E27FC236}">
-                <a16:creationId xmlns:a16="http://schemas.microsoft.com/office/drawing/2014/main" id="{7C0A6A13-8EF5-FF9E-68C5-A2902A646A53}"/>
+                <a16:creationId xmlns:a16="http://schemas.microsoft.com/office/drawing/2014/main" id="{A76E7C5E-CABD-D2EC-873C-72AFB5700176}"/>
               </a:ext>
             </a:extLst>
           </p:cNvPr>
@@ -20077,16 +20326,15 @@
           </p:cNvPicPr>
           <p:nvPr/>
         </p:nvPicPr>
-        <p:blipFill>
+        <p:blipFill rotWithShape="1">
           <a:blip r:embed="rId3"/>
-          <a:stretch>
-            <a:fillRect/>
-          </a:stretch>
+          <a:srcRect r="15464"/>
+          <a:stretch/>
         </p:blipFill>
         <p:spPr>
           <a:xfrm>
-            <a:off x="36860" y="556500"/>
-            <a:ext cx="5102794" cy="5450296"/>
+            <a:off x="5357364" y="5007207"/>
+            <a:ext cx="2730662" cy="1847088"/>
           </a:xfrm>
           <a:prstGeom prst="rect">
             <a:avLst/>
@@ -20095,10 +20343,10 @@
       </p:pic>
       <p:pic>
         <p:nvPicPr>
-          <p:cNvPr id="27" name="Picture 26">
+          <p:cNvPr id="12" name="Picture 11">
             <a:extLst>
               <a:ext uri="{FF2B5EF4-FFF2-40B4-BE49-F238E27FC236}">
-                <a16:creationId xmlns:a16="http://schemas.microsoft.com/office/drawing/2014/main" id="{37B7C90C-2A45-5675-8EDC-13B146F6BD88}"/>
+                <a16:creationId xmlns:a16="http://schemas.microsoft.com/office/drawing/2014/main" id="{256650C7-AFD9-20AC-856F-B68A5BDB4620}"/>
               </a:ext>
             </a:extLst>
           </p:cNvPr>
@@ -20115,8 +20363,8 @@
         </p:blipFill>
         <p:spPr>
           <a:xfrm>
-            <a:off x="5139654" y="81907"/>
-            <a:ext cx="6912854" cy="3560738"/>
+            <a:off x="44390" y="542505"/>
+            <a:ext cx="4057089" cy="4352544"/>
           </a:xfrm>
           <a:prstGeom prst="rect">
             <a:avLst/>
@@ -20175,12 +20423,117 @@
           </a:p>
         </p:txBody>
       </p:sp>
+      <p:sp>
+        <p:nvSpPr>
+          <p:cNvPr id="8" name="TextBox 7">
+            <a:extLst>
+              <a:ext uri="{FF2B5EF4-FFF2-40B4-BE49-F238E27FC236}">
+                <a16:creationId xmlns:a16="http://schemas.microsoft.com/office/drawing/2014/main" id="{7DC2D996-C4A5-00A1-213D-F51CA8446D60}"/>
+              </a:ext>
+            </a:extLst>
+          </p:cNvPr>
+          <p:cNvSpPr txBox="1"/>
+          <p:nvPr/>
+        </p:nvSpPr>
+        <p:spPr>
+          <a:xfrm>
+            <a:off x="79723" y="540143"/>
+            <a:ext cx="288862" cy="307777"/>
+          </a:xfrm>
+          <a:prstGeom prst="rect">
+            <a:avLst/>
+          </a:prstGeom>
+          <a:noFill/>
+        </p:spPr>
+        <p:txBody>
+          <a:bodyPr wrap="none" rtlCol="0">
+            <a:spAutoFit/>
+          </a:bodyPr>
+          <a:lstStyle/>
+          <a:p>
+            <a:r>
+              <a:rPr lang="en-US" sz="1400" dirty="0"/>
+              <a:t>A</a:t>
+            </a:r>
+          </a:p>
+        </p:txBody>
+      </p:sp>
+      <p:sp>
+        <p:nvSpPr>
+          <p:cNvPr id="9" name="TextBox 8">
+            <a:extLst>
+              <a:ext uri="{FF2B5EF4-FFF2-40B4-BE49-F238E27FC236}">
+                <a16:creationId xmlns:a16="http://schemas.microsoft.com/office/drawing/2014/main" id="{1D8D4C75-4535-9A7C-A000-59B78A939C4C}"/>
+              </a:ext>
+            </a:extLst>
+          </p:cNvPr>
+          <p:cNvSpPr txBox="1"/>
+          <p:nvPr/>
+        </p:nvSpPr>
+        <p:spPr>
+          <a:xfrm>
+            <a:off x="3971357" y="-12583"/>
+            <a:ext cx="282450" cy="307777"/>
+          </a:xfrm>
+          <a:prstGeom prst="rect">
+            <a:avLst/>
+          </a:prstGeom>
+          <a:noFill/>
+        </p:spPr>
+        <p:txBody>
+          <a:bodyPr wrap="none" rtlCol="0">
+            <a:spAutoFit/>
+          </a:bodyPr>
+          <a:lstStyle/>
+          <a:p>
+            <a:r>
+              <a:rPr lang="en-US" sz="1400" dirty="0"/>
+              <a:t>B</a:t>
+            </a:r>
+          </a:p>
+        </p:txBody>
+      </p:sp>
+      <p:sp>
+        <p:nvSpPr>
+          <p:cNvPr id="10" name="TextBox 9">
+            <a:extLst>
+              <a:ext uri="{FF2B5EF4-FFF2-40B4-BE49-F238E27FC236}">
+                <a16:creationId xmlns:a16="http://schemas.microsoft.com/office/drawing/2014/main" id="{951E49D4-410B-53A9-11B5-ABF28E350127}"/>
+              </a:ext>
+            </a:extLst>
+          </p:cNvPr>
+          <p:cNvSpPr txBox="1"/>
+          <p:nvPr/>
+        </p:nvSpPr>
+        <p:spPr>
+          <a:xfrm>
+            <a:off x="5216021" y="4948399"/>
+            <a:ext cx="280846" cy="307777"/>
+          </a:xfrm>
+          <a:prstGeom prst="rect">
+            <a:avLst/>
+          </a:prstGeom>
+          <a:noFill/>
+        </p:spPr>
+        <p:txBody>
+          <a:bodyPr wrap="none" rtlCol="0">
+            <a:spAutoFit/>
+          </a:bodyPr>
+          <a:lstStyle/>
+          <a:p>
+            <a:r>
+              <a:rPr lang="en-US" sz="1400" dirty="0"/>
+              <a:t>C</a:t>
+            </a:r>
+          </a:p>
+        </p:txBody>
+      </p:sp>
       <p:pic>
         <p:nvPicPr>
-          <p:cNvPr id="30" name="Picture 29">
+          <p:cNvPr id="14" name="Picture 13">
             <a:extLst>
               <a:ext uri="{FF2B5EF4-FFF2-40B4-BE49-F238E27FC236}">
-                <a16:creationId xmlns:a16="http://schemas.microsoft.com/office/drawing/2014/main" id="{F354CA72-B0B5-BC86-3A26-C9F4468477EA}"/>
+                <a16:creationId xmlns:a16="http://schemas.microsoft.com/office/drawing/2014/main" id="{5B0D2FC3-5509-33E7-BBB7-48F0FF007574}"/>
               </a:ext>
             </a:extLst>
           </p:cNvPr>
@@ -20197,14 +20550,143 @@
         </p:blipFill>
         <p:spPr>
           <a:xfrm>
-            <a:off x="5145978" y="3678520"/>
-            <a:ext cx="6912854" cy="3560738"/>
+            <a:off x="4176577" y="124738"/>
+            <a:ext cx="7971033" cy="2414016"/>
           </a:xfrm>
           <a:prstGeom prst="rect">
             <a:avLst/>
           </a:prstGeom>
         </p:spPr>
       </p:pic>
+      <p:pic>
+        <p:nvPicPr>
+          <p:cNvPr id="16" name="Picture 15">
+            <a:extLst>
+              <a:ext uri="{FF2B5EF4-FFF2-40B4-BE49-F238E27FC236}">
+                <a16:creationId xmlns:a16="http://schemas.microsoft.com/office/drawing/2014/main" id="{F1E08C8F-954C-6300-B2EE-89DA2B763914}"/>
+              </a:ext>
+            </a:extLst>
+          </p:cNvPr>
+          <p:cNvPicPr>
+            <a:picLocks noChangeAspect="1"/>
+          </p:cNvPicPr>
+          <p:nvPr/>
+        </p:nvPicPr>
+        <p:blipFill>
+          <a:blip r:embed="rId6"/>
+          <a:stretch>
+            <a:fillRect/>
+          </a:stretch>
+        </p:blipFill>
+        <p:spPr>
+          <a:xfrm>
+            <a:off x="4152761" y="2536569"/>
+            <a:ext cx="8000907" cy="2414016"/>
+          </a:xfrm>
+          <a:prstGeom prst="rect">
+            <a:avLst/>
+          </a:prstGeom>
+        </p:spPr>
+      </p:pic>
+      <p:pic>
+        <p:nvPicPr>
+          <p:cNvPr id="18" name="Picture 4">
+            <a:extLst>
+              <a:ext uri="{FF2B5EF4-FFF2-40B4-BE49-F238E27FC236}">
+                <a16:creationId xmlns:a16="http://schemas.microsoft.com/office/drawing/2014/main" id="{1A13A6D1-5ECA-C38A-E63A-A03E8536E375}"/>
+              </a:ext>
+            </a:extLst>
+          </p:cNvPr>
+          <p:cNvPicPr>
+            <a:picLocks noChangeAspect="1" noChangeArrowheads="1"/>
+          </p:cNvPicPr>
+          <p:nvPr/>
+        </p:nvPicPr>
+        <p:blipFill>
+          <a:blip r:embed="rId7">
+            <a:extLst>
+              <a:ext uri="{28A0092B-C50C-407E-A947-70E740481C1C}">
+                <a14:useLocalDpi xmlns:a14="http://schemas.microsoft.com/office/drawing/2010/main" val="0"/>
+              </a:ext>
+            </a:extLst>
+          </a:blip>
+          <a:srcRect/>
+          <a:stretch>
+            <a:fillRect/>
+          </a:stretch>
+        </p:blipFill>
+        <p:spPr bwMode="auto">
+          <a:xfrm>
+            <a:off x="8184104" y="5003502"/>
+            <a:ext cx="3317460" cy="1850793"/>
+          </a:xfrm>
+          <a:prstGeom prst="rect">
+            <a:avLst/>
+          </a:prstGeom>
+          <a:noFill/>
+          <a:extLst>
+            <a:ext uri="{909E8E84-426E-40DD-AFC4-6F175D3DCCD1}">
+              <a14:hiddenFill xmlns:a14="http://schemas.microsoft.com/office/drawing/2010/main">
+                <a:solidFill>
+                  <a:srgbClr val="FFFFFF"/>
+                </a:solidFill>
+              </a14:hiddenFill>
+            </a:ext>
+          </a:extLst>
+        </p:spPr>
+      </p:pic>
+      <p:sp>
+        <p:nvSpPr>
+          <p:cNvPr id="19" name="Rectangle 18">
+            <a:extLst>
+              <a:ext uri="{FF2B5EF4-FFF2-40B4-BE49-F238E27FC236}">
+                <a16:creationId xmlns:a16="http://schemas.microsoft.com/office/drawing/2014/main" id="{80F4C40E-DB49-EA20-8E26-CCCDCC3F3CB0}"/>
+              </a:ext>
+            </a:extLst>
+          </p:cNvPr>
+          <p:cNvSpPr/>
+          <p:nvPr/>
+        </p:nvSpPr>
+        <p:spPr>
+          <a:xfrm>
+            <a:off x="8041437" y="5003502"/>
+            <a:ext cx="109963" cy="926332"/>
+          </a:xfrm>
+          <a:prstGeom prst="rect">
+            <a:avLst/>
+          </a:prstGeom>
+          <a:solidFill>
+            <a:schemeClr val="bg1"/>
+          </a:solidFill>
+          <a:ln>
+            <a:noFill/>
+          </a:ln>
+        </p:spPr>
+        <p:style>
+          <a:lnRef idx="2">
+            <a:schemeClr val="accent1">
+              <a:shade val="15000"/>
+            </a:schemeClr>
+          </a:lnRef>
+          <a:fillRef idx="1">
+            <a:schemeClr val="accent1"/>
+          </a:fillRef>
+          <a:effectRef idx="0">
+            <a:schemeClr val="accent1"/>
+          </a:effectRef>
+          <a:fontRef idx="minor">
+            <a:schemeClr val="lt1"/>
+          </a:fontRef>
+        </p:style>
+        <p:txBody>
+          <a:bodyPr rtlCol="0" anchor="ctr"/>
+          <a:lstStyle/>
+          <a:p>
+            <a:pPr algn="ctr"/>
+            <a:endParaRPr lang="en-US"/>
+          </a:p>
+        </p:txBody>
+      </p:sp>
     </p:spTree>
     <p:extLst>
       <p:ext uri="{BB962C8B-B14F-4D97-AF65-F5344CB8AC3E}">
@@ -20557,8 +21039,8 @@
         </p:nvCxnSpPr>
         <p:spPr>
           <a:xfrm rot="10800000">
-            <a:off x="6205728" y="1090804"/>
-            <a:ext cx="1005840" cy="0"/>
+            <a:off x="6113378" y="1090804"/>
+            <a:ext cx="1188720" cy="0"/>
           </a:xfrm>
           <a:prstGeom prst="straightConnector1">
             <a:avLst/>
@@ -20677,7 +21159,7 @@
         </p:nvSpPr>
         <p:spPr>
           <a:xfrm>
-            <a:off x="7336538" y="3508825"/>
+            <a:off x="7336538" y="3499772"/>
             <a:ext cx="2989402" cy="1508760"/>
           </a:xfrm>
           <a:prstGeom prst="ellipse">
@@ -20880,7 +21362,7 @@
         </p:nvSpPr>
         <p:spPr>
           <a:xfrm>
-            <a:off x="2483912" y="2836194"/>
+            <a:off x="2311899" y="2247728"/>
             <a:ext cx="2002536" cy="1569660"/>
           </a:xfrm>
           <a:prstGeom prst="rect">
@@ -20944,8 +21426,8 @@
         </p:nvCxnSpPr>
         <p:spPr>
           <a:xfrm flipV="1">
-            <a:off x="2071093" y="1682496"/>
-            <a:ext cx="0" cy="4846320"/>
+            <a:off x="2036625" y="1817569"/>
+            <a:ext cx="0" cy="4572000"/>
           </a:xfrm>
           <a:prstGeom prst="straightConnector1">
             <a:avLst/>
@@ -21028,8 +21510,8 @@
         </p:nvSpPr>
         <p:spPr>
           <a:xfrm>
-            <a:off x="618549" y="3300317"/>
-            <a:ext cx="1479976" cy="2308324"/>
+            <a:off x="474172" y="3068864"/>
+            <a:ext cx="1479976" cy="2062103"/>
           </a:xfrm>
           <a:prstGeom prst="rect">
             <a:avLst/>
@@ -21050,13 +21532,6 @@
               </a:rPr>
               <a:t># Day-Specific Puzzle Prior to Predicted   Puzzle</a:t>
             </a:r>
-          </a:p>
-          <a:p>
-            <a:endParaRPr lang="en-US" sz="1600" dirty="0">
-              <a:solidFill>
-                <a:schemeClr val="accent1"/>
-              </a:solidFill>
-            </a:endParaRPr>
           </a:p>
           <a:p>
             <a:endParaRPr lang="en-US" sz="1600" dirty="0">
@@ -21119,7 +21594,7 @@
         </p:nvSpPr>
         <p:spPr>
           <a:xfrm>
-            <a:off x="2183060" y="1550593"/>
+            <a:off x="2185669" y="1550593"/>
             <a:ext cx="301686" cy="369332"/>
           </a:xfrm>
           <a:prstGeom prst="rect">
@@ -21243,7 +21718,7 @@
         <p:spPr>
           <a:xfrm>
             <a:off x="4588353" y="2099493"/>
-            <a:ext cx="1510692" cy="4031873"/>
+            <a:ext cx="1510692" cy="3539430"/>
           </a:xfrm>
           <a:prstGeom prst="rect">
             <a:avLst/>
@@ -21262,7 +21737,7 @@
                   <a:srgbClr val="FF0000"/>
                 </a:solidFill>
               </a:rPr>
-              <a:t>Recent Past Performance Features Adjusted by ‘Strength of Schedule’ (SOS) Ratio: </a:t>
+              <a:t>Feature Adjusted by ‘Strength of Schedule’ (SOS) Ratio: </a:t>
             </a:r>
           </a:p>
           <a:p>
@@ -21314,8 +21789,8 @@
         </p:nvSpPr>
         <p:spPr>
           <a:xfrm>
-            <a:off x="2449102" y="521787"/>
-            <a:ext cx="3631656" cy="1086256"/>
+            <a:off x="2467208" y="521787"/>
+            <a:ext cx="3621024" cy="1086256"/>
           </a:xfrm>
           <a:prstGeom prst="rect">
             <a:avLst/>
@@ -21444,11 +21919,203 @@
                   <a:schemeClr val="accent4"/>
                 </a:solidFill>
               </a:rPr>
-              <a:t>(n=1)</a:t>
+              <a:t>(n=3)</a:t>
             </a:r>
           </a:p>
         </p:txBody>
       </p:sp>
+      <p:cxnSp>
+        <p:nvCxnSpPr>
+          <p:cNvPr id="4" name="Straight Arrow Connector 3">
+            <a:extLst>
+              <a:ext uri="{FF2B5EF4-FFF2-40B4-BE49-F238E27FC236}">
+                <a16:creationId xmlns:a16="http://schemas.microsoft.com/office/drawing/2014/main" id="{A98D59DF-3949-A34E-D8EA-3BE6A1A37C8F}"/>
+              </a:ext>
+            </a:extLst>
+          </p:cNvPr>
+          <p:cNvCxnSpPr>
+            <a:cxnSpLocks/>
+          </p:cNvCxnSpPr>
+          <p:nvPr/>
+        </p:nvCxnSpPr>
+        <p:spPr>
+          <a:xfrm rot="10800000">
+            <a:off x="4033734" y="2276123"/>
+            <a:ext cx="548640" cy="0"/>
+          </a:xfrm>
+          <a:prstGeom prst="straightConnector1">
+            <a:avLst/>
+          </a:prstGeom>
+          <a:ln w="98425">
+            <a:gradFill>
+              <a:gsLst>
+                <a:gs pos="0">
+                  <a:schemeClr val="accent1">
+                    <a:lumMod val="5000"/>
+                    <a:lumOff val="95000"/>
+                  </a:schemeClr>
+                </a:gs>
+                <a:gs pos="40000">
+                  <a:schemeClr val="accent1">
+                    <a:lumMod val="45000"/>
+                    <a:lumOff val="55000"/>
+                  </a:schemeClr>
+                </a:gs>
+                <a:gs pos="83000">
+                  <a:srgbClr val="FF0000"/>
+                </a:gs>
+                <a:gs pos="100000">
+                  <a:srgbClr val="FF0000"/>
+                </a:gs>
+              </a:gsLst>
+              <a:lin ang="5400000" scaled="1"/>
+            </a:gradFill>
+            <a:tailEnd type="triangle"/>
+          </a:ln>
+        </p:spPr>
+        <p:style>
+          <a:lnRef idx="1">
+            <a:schemeClr val="accent1"/>
+          </a:lnRef>
+          <a:fillRef idx="0">
+            <a:schemeClr val="accent1"/>
+          </a:fillRef>
+          <a:effectRef idx="0">
+            <a:schemeClr val="accent1"/>
+          </a:effectRef>
+          <a:fontRef idx="minor">
+            <a:schemeClr val="tx1"/>
+          </a:fontRef>
+        </p:style>
+      </p:cxnSp>
+      <p:cxnSp>
+        <p:nvCxnSpPr>
+          <p:cNvPr id="5" name="Straight Arrow Connector 4">
+            <a:extLst>
+              <a:ext uri="{FF2B5EF4-FFF2-40B4-BE49-F238E27FC236}">
+                <a16:creationId xmlns:a16="http://schemas.microsoft.com/office/drawing/2014/main" id="{EF43ECB9-333F-1288-69B1-E80E141C85BE}"/>
+              </a:ext>
+            </a:extLst>
+          </p:cNvPr>
+          <p:cNvCxnSpPr>
+            <a:cxnSpLocks/>
+          </p:cNvCxnSpPr>
+          <p:nvPr/>
+        </p:nvCxnSpPr>
+        <p:spPr>
+          <a:xfrm rot="10800000">
+            <a:off x="4033734" y="3006948"/>
+            <a:ext cx="548640" cy="0"/>
+          </a:xfrm>
+          <a:prstGeom prst="straightConnector1">
+            <a:avLst/>
+          </a:prstGeom>
+          <a:ln w="98425">
+            <a:gradFill>
+              <a:gsLst>
+                <a:gs pos="0">
+                  <a:schemeClr val="accent1">
+                    <a:lumMod val="5000"/>
+                    <a:lumOff val="95000"/>
+                  </a:schemeClr>
+                </a:gs>
+                <a:gs pos="40000">
+                  <a:schemeClr val="accent1">
+                    <a:lumMod val="45000"/>
+                    <a:lumOff val="55000"/>
+                  </a:schemeClr>
+                </a:gs>
+                <a:gs pos="83000">
+                  <a:srgbClr val="FF0000"/>
+                </a:gs>
+                <a:gs pos="100000">
+                  <a:srgbClr val="FF0000"/>
+                </a:gs>
+              </a:gsLst>
+              <a:lin ang="5400000" scaled="1"/>
+            </a:gradFill>
+            <a:tailEnd type="triangle"/>
+          </a:ln>
+        </p:spPr>
+        <p:style>
+          <a:lnRef idx="1">
+            <a:schemeClr val="accent1"/>
+          </a:lnRef>
+          <a:fillRef idx="0">
+            <a:schemeClr val="accent1"/>
+          </a:fillRef>
+          <a:effectRef idx="0">
+            <a:schemeClr val="accent1"/>
+          </a:effectRef>
+          <a:fontRef idx="minor">
+            <a:schemeClr val="tx1"/>
+          </a:fontRef>
+        </p:style>
+      </p:cxnSp>
+      <p:cxnSp>
+        <p:nvCxnSpPr>
+          <p:cNvPr id="7" name="Straight Arrow Connector 6">
+            <a:extLst>
+              <a:ext uri="{FF2B5EF4-FFF2-40B4-BE49-F238E27FC236}">
+                <a16:creationId xmlns:a16="http://schemas.microsoft.com/office/drawing/2014/main" id="{7788A93A-EE82-1E7C-E4AE-E6C56F871F65}"/>
+              </a:ext>
+            </a:extLst>
+          </p:cNvPr>
+          <p:cNvCxnSpPr>
+            <a:cxnSpLocks/>
+          </p:cNvCxnSpPr>
+          <p:nvPr/>
+        </p:nvCxnSpPr>
+        <p:spPr>
+          <a:xfrm rot="10800000">
+            <a:off x="4033734" y="3737772"/>
+            <a:ext cx="548640" cy="0"/>
+          </a:xfrm>
+          <a:prstGeom prst="straightConnector1">
+            <a:avLst/>
+          </a:prstGeom>
+          <a:ln w="98425">
+            <a:gradFill>
+              <a:gsLst>
+                <a:gs pos="0">
+                  <a:schemeClr val="accent1">
+                    <a:lumMod val="5000"/>
+                    <a:lumOff val="95000"/>
+                  </a:schemeClr>
+                </a:gs>
+                <a:gs pos="40000">
+                  <a:schemeClr val="accent1">
+                    <a:lumMod val="45000"/>
+                    <a:lumOff val="55000"/>
+                  </a:schemeClr>
+                </a:gs>
+                <a:gs pos="83000">
+                  <a:srgbClr val="FF0000"/>
+                </a:gs>
+                <a:gs pos="100000">
+                  <a:srgbClr val="FF0000"/>
+                </a:gs>
+              </a:gsLst>
+              <a:lin ang="5400000" scaled="1"/>
+            </a:gradFill>
+            <a:tailEnd type="triangle"/>
+          </a:ln>
+        </p:spPr>
+        <p:style>
+          <a:lnRef idx="1">
+            <a:schemeClr val="accent1"/>
+          </a:lnRef>
+          <a:fillRef idx="0">
+            <a:schemeClr val="accent1"/>
+          </a:fillRef>
+          <a:effectRef idx="0">
+            <a:schemeClr val="accent1"/>
+          </a:effectRef>
+          <a:fontRef idx="minor">
+            <a:schemeClr val="tx1"/>
+          </a:fontRef>
+        </p:style>
+      </p:cxnSp>
     </p:spTree>
     <p:extLst>
       <p:ext uri="{BB962C8B-B14F-4D97-AF65-F5344CB8AC3E}">

--- a/reporting/IS1 GitHub Modeling Summary Layouts.pptx
+++ b/reporting/IS1 GitHub Modeling Summary Layouts.pptx
@@ -216,7 +216,7 @@
           <a:p>
             <a:fld id="{30EC18F4-5B17-40DF-9DE1-871691755494}" type="datetimeFigureOut">
               <a:rPr lang="en-US" smtClean="0"/>
-              <a:t>2/20/2024</a:t>
+              <a:t>2/25/2024</a:t>
             </a:fld>
             <a:endParaRPr lang="en-US"/>
           </a:p>
@@ -1829,7 +1829,7 @@
           <a:p>
             <a:fld id="{803A6DAB-104D-4A34-92C1-982EC081E5FE}" type="datetimeFigureOut">
               <a:rPr lang="en-US" smtClean="0"/>
-              <a:t>2/20/2024</a:t>
+              <a:t>2/25/2024</a:t>
             </a:fld>
             <a:endParaRPr lang="en-US"/>
           </a:p>
@@ -2027,7 +2027,7 @@
           <a:p>
             <a:fld id="{803A6DAB-104D-4A34-92C1-982EC081E5FE}" type="datetimeFigureOut">
               <a:rPr lang="en-US" smtClean="0"/>
-              <a:t>2/20/2024</a:t>
+              <a:t>2/25/2024</a:t>
             </a:fld>
             <a:endParaRPr lang="en-US"/>
           </a:p>
@@ -2235,7 +2235,7 @@
           <a:p>
             <a:fld id="{803A6DAB-104D-4A34-92C1-982EC081E5FE}" type="datetimeFigureOut">
               <a:rPr lang="en-US" smtClean="0"/>
-              <a:t>2/20/2024</a:t>
+              <a:t>2/25/2024</a:t>
             </a:fld>
             <a:endParaRPr lang="en-US"/>
           </a:p>
@@ -2433,7 +2433,7 @@
           <a:p>
             <a:fld id="{803A6DAB-104D-4A34-92C1-982EC081E5FE}" type="datetimeFigureOut">
               <a:rPr lang="en-US" smtClean="0"/>
-              <a:t>2/20/2024</a:t>
+              <a:t>2/25/2024</a:t>
             </a:fld>
             <a:endParaRPr lang="en-US"/>
           </a:p>
@@ -2708,7 +2708,7 @@
           <a:p>
             <a:fld id="{803A6DAB-104D-4A34-92C1-982EC081E5FE}" type="datetimeFigureOut">
               <a:rPr lang="en-US" smtClean="0"/>
-              <a:t>2/20/2024</a:t>
+              <a:t>2/25/2024</a:t>
             </a:fld>
             <a:endParaRPr lang="en-US"/>
           </a:p>
@@ -2973,7 +2973,7 @@
           <a:p>
             <a:fld id="{803A6DAB-104D-4A34-92C1-982EC081E5FE}" type="datetimeFigureOut">
               <a:rPr lang="en-US" smtClean="0"/>
-              <a:t>2/20/2024</a:t>
+              <a:t>2/25/2024</a:t>
             </a:fld>
             <a:endParaRPr lang="en-US"/>
           </a:p>
@@ -3385,7 +3385,7 @@
           <a:p>
             <a:fld id="{803A6DAB-104D-4A34-92C1-982EC081E5FE}" type="datetimeFigureOut">
               <a:rPr lang="en-US" smtClean="0"/>
-              <a:t>2/20/2024</a:t>
+              <a:t>2/25/2024</a:t>
             </a:fld>
             <a:endParaRPr lang="en-US"/>
           </a:p>
@@ -3526,7 +3526,7 @@
           <a:p>
             <a:fld id="{803A6DAB-104D-4A34-92C1-982EC081E5FE}" type="datetimeFigureOut">
               <a:rPr lang="en-US" smtClean="0"/>
-              <a:t>2/20/2024</a:t>
+              <a:t>2/25/2024</a:t>
             </a:fld>
             <a:endParaRPr lang="en-US"/>
           </a:p>
@@ -3639,7 +3639,7 @@
           <a:p>
             <a:fld id="{803A6DAB-104D-4A34-92C1-982EC081E5FE}" type="datetimeFigureOut">
               <a:rPr lang="en-US" smtClean="0"/>
-              <a:t>2/20/2024</a:t>
+              <a:t>2/25/2024</a:t>
             </a:fld>
             <a:endParaRPr lang="en-US"/>
           </a:p>
@@ -3950,7 +3950,7 @@
           <a:p>
             <a:fld id="{803A6DAB-104D-4A34-92C1-982EC081E5FE}" type="datetimeFigureOut">
               <a:rPr lang="en-US" smtClean="0"/>
-              <a:t>2/20/2024</a:t>
+              <a:t>2/25/2024</a:t>
             </a:fld>
             <a:endParaRPr lang="en-US"/>
           </a:p>
@@ -4238,7 +4238,7 @@
           <a:p>
             <a:fld id="{803A6DAB-104D-4A34-92C1-982EC081E5FE}" type="datetimeFigureOut">
               <a:rPr lang="en-US" smtClean="0"/>
-              <a:t>2/20/2024</a:t>
+              <a:t>2/25/2024</a:t>
             </a:fld>
             <a:endParaRPr lang="en-US"/>
           </a:p>
@@ -4479,7 +4479,7 @@
           <a:p>
             <a:fld id="{803A6DAB-104D-4A34-92C1-982EC081E5FE}" type="datetimeFigureOut">
               <a:rPr lang="en-US" smtClean="0"/>
-              <a:t>2/20/2024</a:t>
+              <a:t>2/25/2024</a:t>
             </a:fld>
             <a:endParaRPr lang="en-US"/>
           </a:p>
@@ -8672,7 +8672,7 @@
           <p:nvPr>
             <p:extLst>
               <p:ext uri="{D42A27DB-BD31-4B8C-83A1-F6EECF244321}">
-                <p14:modId xmlns:p14="http://schemas.microsoft.com/office/powerpoint/2010/main" val="311036648"/>
+                <p14:modId xmlns:p14="http://schemas.microsoft.com/office/powerpoint/2010/main" val="3165027288"/>
               </p:ext>
             </p:extLst>
           </p:nvPr>
@@ -8695,14 +8695,14 @@
                     </a:ext>
                   </a:extLst>
                 </a:gridCol>
-                <a:gridCol w="1333345">
+                <a:gridCol w="1405964">
                   <a:extLst>
                     <a:ext uri="{9D8B030D-6E8A-4147-A177-3AD203B41FA5}">
                       <a16:colId xmlns:a16="http://schemas.microsoft.com/office/drawing/2014/main" val="66421159"/>
                     </a:ext>
                   </a:extLst>
                 </a:gridCol>
-                <a:gridCol w="1072689">
+                <a:gridCol w="1000070">
                   <a:extLst>
                     <a:ext uri="{9D8B030D-6E8A-4147-A177-3AD203B41FA5}">
                       <a16:colId xmlns:a16="http://schemas.microsoft.com/office/drawing/2014/main" val="4234862814"/>
@@ -9825,7 +9825,7 @@
                             <a:srgbClr val="002060"/>
                           </a:solidFill>
                         </a:rPr>
-                        <a:t>Past performance vs a specific constructor or constructor team; normalized to account for recent (past 8 puzzles) performance baseline per puzzle day (RPB) and past puzzle day mix for constructor(s). Used </a:t>
+                        <a:t>Past performance vs a specific constructor or constructor team; normalized to account for recent (past 8 puzzles) performance baseline per puzzle day (‘RPB’) and past puzzle day mix for constructor(s). Used </a:t>
                       </a:r>
                       <a:r>
                         <a:rPr lang="en-US" sz="1200" dirty="0">
@@ -10820,7 +10820,7 @@
                             <a:srgbClr val="00B050"/>
                           </a:solidFill>
                         </a:rPr>
-                        <a:t>Puzzle Day</a:t>
+                        <a:t>Puzzle Day of Week</a:t>
                       </a:r>
                     </a:p>
                   </a:txBody>
